--- a/a_documents/Presentación.pptx
+++ b/a_documents/Presentación.pptx
@@ -16,6 +16,7 @@
     <p:sldId id="258" r:id="rId10"/>
     <p:sldId id="257" r:id="rId11"/>
     <p:sldId id="272" r:id="rId12"/>
+    <p:sldId id="273" r:id="rId13"/>
   </p:sldIdLst>
   <p:sldSz cx="12192000" cy="6858000"/>
   <p:notesSz cx="6858000" cy="9144000"/>
@@ -269,7 +270,7 @@
           <a:p>
             <a:fld id="{3E8EA724-0D8D-4ACB-812E-EA78360479C2}" type="datetimeFigureOut">
               <a:rPr lang="es-ES" smtClean="0"/>
-              <a:t>02/08/2023</a:t>
+              <a:t>19/08/2023</a:t>
             </a:fld>
             <a:endParaRPr lang="es-ES"/>
           </a:p>
@@ -467,7 +468,7 @@
           <a:p>
             <a:fld id="{3E8EA724-0D8D-4ACB-812E-EA78360479C2}" type="datetimeFigureOut">
               <a:rPr lang="es-ES" smtClean="0"/>
-              <a:t>02/08/2023</a:t>
+              <a:t>19/08/2023</a:t>
             </a:fld>
             <a:endParaRPr lang="es-ES"/>
           </a:p>
@@ -675,7 +676,7 @@
           <a:p>
             <a:fld id="{3E8EA724-0D8D-4ACB-812E-EA78360479C2}" type="datetimeFigureOut">
               <a:rPr lang="es-ES" smtClean="0"/>
-              <a:t>02/08/2023</a:t>
+              <a:t>19/08/2023</a:t>
             </a:fld>
             <a:endParaRPr lang="es-ES"/>
           </a:p>
@@ -873,7 +874,7 @@
           <a:p>
             <a:fld id="{3E8EA724-0D8D-4ACB-812E-EA78360479C2}" type="datetimeFigureOut">
               <a:rPr lang="es-ES" smtClean="0"/>
-              <a:t>02/08/2023</a:t>
+              <a:t>19/08/2023</a:t>
             </a:fld>
             <a:endParaRPr lang="es-ES"/>
           </a:p>
@@ -1148,7 +1149,7 @@
           <a:p>
             <a:fld id="{3E8EA724-0D8D-4ACB-812E-EA78360479C2}" type="datetimeFigureOut">
               <a:rPr lang="es-ES" smtClean="0"/>
-              <a:t>02/08/2023</a:t>
+              <a:t>19/08/2023</a:t>
             </a:fld>
             <a:endParaRPr lang="es-ES"/>
           </a:p>
@@ -1413,7 +1414,7 @@
           <a:p>
             <a:fld id="{3E8EA724-0D8D-4ACB-812E-EA78360479C2}" type="datetimeFigureOut">
               <a:rPr lang="es-ES" smtClean="0"/>
-              <a:t>02/08/2023</a:t>
+              <a:t>19/08/2023</a:t>
             </a:fld>
             <a:endParaRPr lang="es-ES"/>
           </a:p>
@@ -1825,7 +1826,7 @@
           <a:p>
             <a:fld id="{3E8EA724-0D8D-4ACB-812E-EA78360479C2}" type="datetimeFigureOut">
               <a:rPr lang="es-ES" smtClean="0"/>
-              <a:t>02/08/2023</a:t>
+              <a:t>19/08/2023</a:t>
             </a:fld>
             <a:endParaRPr lang="es-ES"/>
           </a:p>
@@ -1966,7 +1967,7 @@
           <a:p>
             <a:fld id="{3E8EA724-0D8D-4ACB-812E-EA78360479C2}" type="datetimeFigureOut">
               <a:rPr lang="es-ES" smtClean="0"/>
-              <a:t>02/08/2023</a:t>
+              <a:t>19/08/2023</a:t>
             </a:fld>
             <a:endParaRPr lang="es-ES"/>
           </a:p>
@@ -2079,7 +2080,7 @@
           <a:p>
             <a:fld id="{3E8EA724-0D8D-4ACB-812E-EA78360479C2}" type="datetimeFigureOut">
               <a:rPr lang="es-ES" smtClean="0"/>
-              <a:t>02/08/2023</a:t>
+              <a:t>19/08/2023</a:t>
             </a:fld>
             <a:endParaRPr lang="es-ES"/>
           </a:p>
@@ -2390,7 +2391,7 @@
           <a:p>
             <a:fld id="{3E8EA724-0D8D-4ACB-812E-EA78360479C2}" type="datetimeFigureOut">
               <a:rPr lang="es-ES" smtClean="0"/>
-              <a:t>02/08/2023</a:t>
+              <a:t>19/08/2023</a:t>
             </a:fld>
             <a:endParaRPr lang="es-ES"/>
           </a:p>
@@ -2678,7 +2679,7 @@
           <a:p>
             <a:fld id="{3E8EA724-0D8D-4ACB-812E-EA78360479C2}" type="datetimeFigureOut">
               <a:rPr lang="es-ES" smtClean="0"/>
-              <a:t>02/08/2023</a:t>
+              <a:t>19/08/2023</a:t>
             </a:fld>
             <a:endParaRPr lang="es-ES"/>
           </a:p>
@@ -2919,7 +2920,7 @@
           <a:p>
             <a:fld id="{3E8EA724-0D8D-4ACB-812E-EA78360479C2}" type="datetimeFigureOut">
               <a:rPr lang="es-ES" smtClean="0"/>
-              <a:t>02/08/2023</a:t>
+              <a:t>19/08/2023</a:t>
             </a:fld>
             <a:endParaRPr lang="es-ES"/>
           </a:p>
@@ -3586,7 +3587,7 @@
         </p:nvSpPr>
         <p:spPr>
           <a:xfrm>
-            <a:off x="3951670" y="3593235"/>
+            <a:off x="586815" y="5711704"/>
             <a:ext cx="1628372" cy="430887"/>
           </a:xfrm>
           <a:prstGeom prst="rect">
@@ -3642,7 +3643,7 @@
         </p:nvSpPr>
         <p:spPr>
           <a:xfrm>
-            <a:off x="788517" y="947251"/>
+            <a:off x="3670262" y="6389181"/>
             <a:ext cx="1758462" cy="261610"/>
           </a:xfrm>
           <a:prstGeom prst="rect">
@@ -3693,7 +3694,7 @@
         </p:blipFill>
         <p:spPr>
           <a:xfrm>
-            <a:off x="4223832" y="4006187"/>
+            <a:off x="858977" y="6124656"/>
             <a:ext cx="999690" cy="268882"/>
           </a:xfrm>
           <a:prstGeom prst="rect">
@@ -3723,7 +3724,7 @@
         </p:blipFill>
         <p:spPr>
           <a:xfrm>
-            <a:off x="1396908" y="448058"/>
+            <a:off x="4278653" y="5889988"/>
             <a:ext cx="541679" cy="535356"/>
           </a:xfrm>
           <a:prstGeom prst="rect">
@@ -3745,7 +3746,7 @@
         </p:nvSpPr>
         <p:spPr>
           <a:xfrm>
-            <a:off x="788516" y="379923"/>
+            <a:off x="3670261" y="5821853"/>
             <a:ext cx="1706665" cy="942829"/>
           </a:xfrm>
           <a:prstGeom prst="roundRect">
@@ -3799,7 +3800,7 @@
         </p:nvSpPr>
         <p:spPr>
           <a:xfrm>
-            <a:off x="3965204" y="3512630"/>
+            <a:off x="600349" y="5631099"/>
             <a:ext cx="1593118" cy="924987"/>
           </a:xfrm>
           <a:prstGeom prst="roundRect">
@@ -3861,7 +3862,7 @@
         </p:blipFill>
         <p:spPr>
           <a:xfrm>
-            <a:off x="2249487" y="1226901"/>
+            <a:off x="5131232" y="6668831"/>
             <a:ext cx="490969" cy="201959"/>
           </a:xfrm>
           <a:prstGeom prst="rect">
@@ -3891,7 +3892,7 @@
         </p:blipFill>
         <p:spPr>
           <a:xfrm>
-            <a:off x="2337917" y="201479"/>
+            <a:off x="5219662" y="5643409"/>
             <a:ext cx="574747" cy="246579"/>
           </a:xfrm>
           <a:prstGeom prst="rect">
@@ -3921,7 +3922,7 @@
         </p:blipFill>
         <p:spPr>
           <a:xfrm>
-            <a:off x="2187105" y="249186"/>
+            <a:off x="5068850" y="5691116"/>
             <a:ext cx="438186" cy="472921"/>
           </a:xfrm>
           <a:prstGeom prst="rect">
@@ -3951,7 +3952,7 @@
         </p:blipFill>
         <p:spPr>
           <a:xfrm>
-            <a:off x="5394270" y="3214820"/>
+            <a:off x="2029415" y="5333289"/>
             <a:ext cx="574747" cy="246579"/>
           </a:xfrm>
           <a:prstGeom prst="rect">
@@ -3981,7 +3982,7 @@
         </p:blipFill>
         <p:spPr>
           <a:xfrm>
-            <a:off x="5243458" y="3262527"/>
+            <a:off x="1878603" y="5380996"/>
             <a:ext cx="438186" cy="472921"/>
           </a:xfrm>
           <a:prstGeom prst="rect">
@@ -3989,10 +3990,834 @@
           </a:prstGeom>
         </p:spPr>
       </p:pic>
+      <p:sp>
+        <p:nvSpPr>
+          <p:cNvPr id="15" name="CuadroTexto 14">
+            <a:extLst>
+              <a:ext uri="{FF2B5EF4-FFF2-40B4-BE49-F238E27FC236}">
+                <a16:creationId xmlns:a16="http://schemas.microsoft.com/office/drawing/2014/main" id="{EF02DCC2-7138-4275-8815-867F7CDF58E9}"/>
+              </a:ext>
+            </a:extLst>
+          </p:cNvPr>
+          <p:cNvSpPr txBox="1"/>
+          <p:nvPr/>
+        </p:nvSpPr>
+        <p:spPr>
+          <a:xfrm>
+            <a:off x="3822072" y="2371535"/>
+            <a:ext cx="1628372" cy="430887"/>
+          </a:xfrm>
+          <a:prstGeom prst="rect">
+            <a:avLst/>
+          </a:prstGeom>
+          <a:noFill/>
+        </p:spPr>
+        <p:txBody>
+          <a:bodyPr wrap="square" rtlCol="0">
+            <a:spAutoFit/>
+          </a:bodyPr>
+          <a:lstStyle/>
+          <a:p>
+            <a:pPr algn="ctr"/>
+            <a:r>
+              <a:rPr lang="es-ES" sz="1100" b="1" dirty="0"/>
+              <a:t>DS – ERP</a:t>
+            </a:r>
+          </a:p>
+          <a:p>
+            <a:pPr algn="ctr"/>
+            <a:r>
+              <a:rPr lang="es-ES" sz="1100" b="1" dirty="0" err="1"/>
+              <a:t>Event-Related</a:t>
+            </a:r>
+            <a:r>
+              <a:rPr lang="es-ES" sz="1100" b="1" dirty="0"/>
+              <a:t> </a:t>
+            </a:r>
+            <a:r>
+              <a:rPr lang="es-ES" sz="1100" b="1" dirty="0" err="1"/>
+              <a:t>Potential</a:t>
+            </a:r>
+            <a:r>
+              <a:rPr lang="es-ES" sz="1100" b="1" dirty="0"/>
+              <a:t>:</a:t>
+            </a:r>
+            <a:endParaRPr lang="es-ES" sz="900" b="1" dirty="0"/>
+          </a:p>
+        </p:txBody>
+      </p:sp>
+      <p:sp>
+        <p:nvSpPr>
+          <p:cNvPr id="16" name="CuadroTexto 15">
+            <a:extLst>
+              <a:ext uri="{FF2B5EF4-FFF2-40B4-BE49-F238E27FC236}">
+                <a16:creationId xmlns:a16="http://schemas.microsoft.com/office/drawing/2014/main" id="{C3D21725-3729-4B76-89C3-19693E946CAF}"/>
+              </a:ext>
+            </a:extLst>
+          </p:cNvPr>
+          <p:cNvSpPr txBox="1"/>
+          <p:nvPr/>
+        </p:nvSpPr>
+        <p:spPr>
+          <a:xfrm>
+            <a:off x="3845382" y="4119905"/>
+            <a:ext cx="1758462" cy="261610"/>
+          </a:xfrm>
+          <a:prstGeom prst="rect">
+            <a:avLst/>
+          </a:prstGeom>
+          <a:noFill/>
+        </p:spPr>
+        <p:txBody>
+          <a:bodyPr wrap="square" rtlCol="0">
+            <a:spAutoFit/>
+          </a:bodyPr>
+          <a:lstStyle/>
+          <a:p>
+            <a:r>
+              <a:rPr lang="es-ES" sz="1100" b="1" dirty="0"/>
+              <a:t>DS - P300-Dataset (</a:t>
+            </a:r>
+            <a:r>
+              <a:rPr lang="es-ES" sz="1100" b="1" dirty="0" err="1"/>
+              <a:t>Kaggle</a:t>
+            </a:r>
+            <a:r>
+              <a:rPr lang="es-ES" sz="1100" b="1" dirty="0"/>
+              <a:t>)</a:t>
+            </a:r>
+          </a:p>
+        </p:txBody>
+      </p:sp>
+      <p:pic>
+        <p:nvPicPr>
+          <p:cNvPr id="17" name="Imagen 16">
+            <a:extLst>
+              <a:ext uri="{FF2B5EF4-FFF2-40B4-BE49-F238E27FC236}">
+                <a16:creationId xmlns:a16="http://schemas.microsoft.com/office/drawing/2014/main" id="{19ADC8EB-C730-4C9B-91AF-F23A4C6BC2E1}"/>
+              </a:ext>
+            </a:extLst>
+          </p:cNvPr>
+          <p:cNvPicPr>
+            <a:picLocks noChangeAspect="1"/>
+          </p:cNvPicPr>
+          <p:nvPr/>
+        </p:nvPicPr>
+        <p:blipFill>
+          <a:blip r:embed="rId2"/>
+          <a:stretch>
+            <a:fillRect/>
+          </a:stretch>
+        </p:blipFill>
+        <p:spPr>
+          <a:xfrm>
+            <a:off x="4094234" y="2784487"/>
+            <a:ext cx="999690" cy="268882"/>
+          </a:xfrm>
+          <a:prstGeom prst="rect">
+            <a:avLst/>
+          </a:prstGeom>
+        </p:spPr>
+      </p:pic>
+      <p:pic>
+        <p:nvPicPr>
+          <p:cNvPr id="18" name="Imagen 17">
+            <a:extLst>
+              <a:ext uri="{FF2B5EF4-FFF2-40B4-BE49-F238E27FC236}">
+                <a16:creationId xmlns:a16="http://schemas.microsoft.com/office/drawing/2014/main" id="{F6B4EB10-E4BA-4ADA-9C3E-153CA3E85268}"/>
+              </a:ext>
+            </a:extLst>
+          </p:cNvPr>
+          <p:cNvPicPr>
+            <a:picLocks noChangeAspect="1"/>
+          </p:cNvPicPr>
+          <p:nvPr/>
+        </p:nvPicPr>
+        <p:blipFill>
+          <a:blip r:embed="rId3"/>
+          <a:stretch>
+            <a:fillRect/>
+          </a:stretch>
+        </p:blipFill>
+        <p:spPr>
+          <a:xfrm>
+            <a:off x="4453773" y="3620712"/>
+            <a:ext cx="541679" cy="535356"/>
+          </a:xfrm>
+          <a:prstGeom prst="rect">
+            <a:avLst/>
+          </a:prstGeom>
+        </p:spPr>
+      </p:pic>
+      <p:sp>
+        <p:nvSpPr>
+          <p:cNvPr id="19" name="Rectángulo: esquinas redondeadas 18">
+            <a:extLst>
+              <a:ext uri="{FF2B5EF4-FFF2-40B4-BE49-F238E27FC236}">
+                <a16:creationId xmlns:a16="http://schemas.microsoft.com/office/drawing/2014/main" id="{9175863B-91AD-4298-9876-70A38C28E381}"/>
+              </a:ext>
+            </a:extLst>
+          </p:cNvPr>
+          <p:cNvSpPr/>
+          <p:nvPr/>
+        </p:nvSpPr>
+        <p:spPr>
+          <a:xfrm>
+            <a:off x="3845381" y="3552577"/>
+            <a:ext cx="1706665" cy="942829"/>
+          </a:xfrm>
+          <a:prstGeom prst="roundRect">
+            <a:avLst/>
+          </a:prstGeom>
+          <a:noFill/>
+          <a:ln w="3175">
+            <a:solidFill>
+              <a:schemeClr val="bg1">
+                <a:lumMod val="75000"/>
+              </a:schemeClr>
+            </a:solidFill>
+          </a:ln>
+        </p:spPr>
+        <p:style>
+          <a:lnRef idx="2">
+            <a:schemeClr val="accent1">
+              <a:shade val="50000"/>
+            </a:schemeClr>
+          </a:lnRef>
+          <a:fillRef idx="1">
+            <a:schemeClr val="accent1"/>
+          </a:fillRef>
+          <a:effectRef idx="0">
+            <a:schemeClr val="accent1"/>
+          </a:effectRef>
+          <a:fontRef idx="minor">
+            <a:schemeClr val="lt1"/>
+          </a:fontRef>
+        </p:style>
+        <p:txBody>
+          <a:bodyPr rtlCol="0" anchor="ctr"/>
+          <a:lstStyle/>
+          <a:p>
+            <a:pPr algn="ctr"/>
+            <a:endParaRPr lang="es-ES"/>
+          </a:p>
+        </p:txBody>
+      </p:sp>
+      <p:sp>
+        <p:nvSpPr>
+          <p:cNvPr id="20" name="Rectángulo: esquinas redondeadas 19">
+            <a:extLst>
+              <a:ext uri="{FF2B5EF4-FFF2-40B4-BE49-F238E27FC236}">
+                <a16:creationId xmlns:a16="http://schemas.microsoft.com/office/drawing/2014/main" id="{45F39458-9477-4F11-BCBF-7940A9BC491C}"/>
+              </a:ext>
+            </a:extLst>
+          </p:cNvPr>
+          <p:cNvSpPr/>
+          <p:nvPr/>
+        </p:nvSpPr>
+        <p:spPr>
+          <a:xfrm>
+            <a:off x="3835606" y="2290930"/>
+            <a:ext cx="1593118" cy="924987"/>
+          </a:xfrm>
+          <a:prstGeom prst="roundRect">
+            <a:avLst/>
+          </a:prstGeom>
+          <a:noFill/>
+          <a:ln w="3175">
+            <a:solidFill>
+              <a:schemeClr val="bg1">
+                <a:lumMod val="75000"/>
+              </a:schemeClr>
+            </a:solidFill>
+          </a:ln>
+        </p:spPr>
+        <p:style>
+          <a:lnRef idx="2">
+            <a:schemeClr val="accent1">
+              <a:shade val="50000"/>
+            </a:schemeClr>
+          </a:lnRef>
+          <a:fillRef idx="1">
+            <a:schemeClr val="accent1"/>
+          </a:fillRef>
+          <a:effectRef idx="0">
+            <a:schemeClr val="accent1"/>
+          </a:effectRef>
+          <a:fontRef idx="minor">
+            <a:schemeClr val="lt1"/>
+          </a:fontRef>
+        </p:style>
+        <p:txBody>
+          <a:bodyPr rtlCol="0" anchor="ctr"/>
+          <a:lstStyle/>
+          <a:p>
+            <a:pPr algn="ctr"/>
+            <a:endParaRPr lang="es-ES"/>
+          </a:p>
+        </p:txBody>
+      </p:sp>
+      <p:pic>
+        <p:nvPicPr>
+          <p:cNvPr id="21" name="Imagen 20">
+            <a:extLst>
+              <a:ext uri="{FF2B5EF4-FFF2-40B4-BE49-F238E27FC236}">
+                <a16:creationId xmlns:a16="http://schemas.microsoft.com/office/drawing/2014/main" id="{F68E5E1C-D04E-4F50-BE4B-24F7D20C02A7}"/>
+              </a:ext>
+            </a:extLst>
+          </p:cNvPr>
+          <p:cNvPicPr>
+            <a:picLocks noChangeAspect="1"/>
+          </p:cNvPicPr>
+          <p:nvPr/>
+        </p:nvPicPr>
+        <p:blipFill>
+          <a:blip r:embed="rId4"/>
+          <a:stretch>
+            <a:fillRect/>
+          </a:stretch>
+        </p:blipFill>
+        <p:spPr>
+          <a:xfrm>
+            <a:off x="5306352" y="4399555"/>
+            <a:ext cx="490969" cy="201959"/>
+          </a:xfrm>
+          <a:prstGeom prst="rect">
+            <a:avLst/>
+          </a:prstGeom>
+        </p:spPr>
+      </p:pic>
+      <p:pic>
+        <p:nvPicPr>
+          <p:cNvPr id="22" name="Imagen 21">
+            <a:extLst>
+              <a:ext uri="{FF2B5EF4-FFF2-40B4-BE49-F238E27FC236}">
+                <a16:creationId xmlns:a16="http://schemas.microsoft.com/office/drawing/2014/main" id="{EAFC5B9E-B08A-4276-819A-F89177F38D14}"/>
+              </a:ext>
+            </a:extLst>
+          </p:cNvPr>
+          <p:cNvPicPr>
+            <a:picLocks noChangeAspect="1"/>
+          </p:cNvPicPr>
+          <p:nvPr/>
+        </p:nvPicPr>
+        <p:blipFill>
+          <a:blip r:embed="rId5"/>
+          <a:stretch>
+            <a:fillRect/>
+          </a:stretch>
+        </p:blipFill>
+        <p:spPr>
+          <a:xfrm>
+            <a:off x="5394782" y="3374133"/>
+            <a:ext cx="574747" cy="246579"/>
+          </a:xfrm>
+          <a:prstGeom prst="rect">
+            <a:avLst/>
+          </a:prstGeom>
+        </p:spPr>
+      </p:pic>
+      <p:pic>
+        <p:nvPicPr>
+          <p:cNvPr id="23" name="Imagen 22">
+            <a:extLst>
+              <a:ext uri="{FF2B5EF4-FFF2-40B4-BE49-F238E27FC236}">
+                <a16:creationId xmlns:a16="http://schemas.microsoft.com/office/drawing/2014/main" id="{203D5EDF-938B-4B64-AB52-B434F2ED181D}"/>
+              </a:ext>
+            </a:extLst>
+          </p:cNvPr>
+          <p:cNvPicPr>
+            <a:picLocks noChangeAspect="1"/>
+          </p:cNvPicPr>
+          <p:nvPr/>
+        </p:nvPicPr>
+        <p:blipFill>
+          <a:blip r:embed="rId6"/>
+          <a:stretch>
+            <a:fillRect/>
+          </a:stretch>
+        </p:blipFill>
+        <p:spPr>
+          <a:xfrm>
+            <a:off x="5243970" y="3421840"/>
+            <a:ext cx="438186" cy="472921"/>
+          </a:xfrm>
+          <a:prstGeom prst="rect">
+            <a:avLst/>
+          </a:prstGeom>
+        </p:spPr>
+      </p:pic>
+      <p:pic>
+        <p:nvPicPr>
+          <p:cNvPr id="24" name="Imagen 23">
+            <a:extLst>
+              <a:ext uri="{FF2B5EF4-FFF2-40B4-BE49-F238E27FC236}">
+                <a16:creationId xmlns:a16="http://schemas.microsoft.com/office/drawing/2014/main" id="{0FDD6822-E50D-44B2-BD67-F8529AD9AEF2}"/>
+              </a:ext>
+            </a:extLst>
+          </p:cNvPr>
+          <p:cNvPicPr>
+            <a:picLocks noChangeAspect="1"/>
+          </p:cNvPicPr>
+          <p:nvPr/>
+        </p:nvPicPr>
+        <p:blipFill>
+          <a:blip r:embed="rId5"/>
+          <a:stretch>
+            <a:fillRect/>
+          </a:stretch>
+        </p:blipFill>
+        <p:spPr>
+          <a:xfrm>
+            <a:off x="5264672" y="1993120"/>
+            <a:ext cx="574747" cy="246579"/>
+          </a:xfrm>
+          <a:prstGeom prst="rect">
+            <a:avLst/>
+          </a:prstGeom>
+        </p:spPr>
+      </p:pic>
+      <p:pic>
+        <p:nvPicPr>
+          <p:cNvPr id="25" name="Imagen 24">
+            <a:extLst>
+              <a:ext uri="{FF2B5EF4-FFF2-40B4-BE49-F238E27FC236}">
+                <a16:creationId xmlns:a16="http://schemas.microsoft.com/office/drawing/2014/main" id="{C49DDEC8-D925-491E-B015-1B8E3EED1F43}"/>
+              </a:ext>
+            </a:extLst>
+          </p:cNvPr>
+          <p:cNvPicPr>
+            <a:picLocks noChangeAspect="1"/>
+          </p:cNvPicPr>
+          <p:nvPr/>
+        </p:nvPicPr>
+        <p:blipFill>
+          <a:blip r:embed="rId6"/>
+          <a:stretch>
+            <a:fillRect/>
+          </a:stretch>
+        </p:blipFill>
+        <p:spPr>
+          <a:xfrm>
+            <a:off x="5113860" y="2040827"/>
+            <a:ext cx="438186" cy="472921"/>
+          </a:xfrm>
+          <a:prstGeom prst="rect">
+            <a:avLst/>
+          </a:prstGeom>
+        </p:spPr>
+      </p:pic>
+      <p:pic>
+        <p:nvPicPr>
+          <p:cNvPr id="26" name="Imagen 25">
+            <a:extLst>
+              <a:ext uri="{FF2B5EF4-FFF2-40B4-BE49-F238E27FC236}">
+                <a16:creationId xmlns:a16="http://schemas.microsoft.com/office/drawing/2014/main" id="{BFD80BD7-9466-468B-81C0-BC48F5DFA91E}"/>
+              </a:ext>
+            </a:extLst>
+          </p:cNvPr>
+          <p:cNvPicPr>
+            <a:picLocks noChangeAspect="1"/>
+          </p:cNvPicPr>
+          <p:nvPr/>
+        </p:nvPicPr>
+        <p:blipFill>
+          <a:blip r:embed="rId5"/>
+          <a:stretch>
+            <a:fillRect/>
+          </a:stretch>
+        </p:blipFill>
+        <p:spPr>
+          <a:xfrm>
+            <a:off x="4103069" y="793040"/>
+            <a:ext cx="574747" cy="246579"/>
+          </a:xfrm>
+          <a:prstGeom prst="rect">
+            <a:avLst/>
+          </a:prstGeom>
+        </p:spPr>
+      </p:pic>
+      <p:sp>
+        <p:nvSpPr>
+          <p:cNvPr id="27" name="CuadroTexto 26">
+            <a:extLst>
+              <a:ext uri="{FF2B5EF4-FFF2-40B4-BE49-F238E27FC236}">
+                <a16:creationId xmlns:a16="http://schemas.microsoft.com/office/drawing/2014/main" id="{562B6B8A-2965-42BA-845A-F92B188B0E85}"/>
+              </a:ext>
+            </a:extLst>
+          </p:cNvPr>
+          <p:cNvSpPr txBox="1"/>
+          <p:nvPr/>
+        </p:nvSpPr>
+        <p:spPr>
+          <a:xfrm>
+            <a:off x="2238133" y="1111709"/>
+            <a:ext cx="1973255" cy="846386"/>
+          </a:xfrm>
+          <a:prstGeom prst="rect">
+            <a:avLst/>
+          </a:prstGeom>
+          <a:noFill/>
+        </p:spPr>
+        <p:txBody>
+          <a:bodyPr wrap="square" rtlCol="0">
+            <a:spAutoFit/>
+          </a:bodyPr>
+          <a:lstStyle/>
+          <a:p>
+            <a:pPr algn="r"/>
+            <a:endParaRPr lang="es-ES" sz="1100" b="1" dirty="0"/>
+          </a:p>
+          <a:p>
+            <a:pPr algn="r"/>
+            <a:r>
+              <a:rPr lang="es-ES" sz="1100" b="1" dirty="0"/>
+              <a:t>DS - </a:t>
+            </a:r>
+            <a:r>
+              <a:rPr lang="es-ES" sz="1100" b="1" dirty="0" err="1"/>
+              <a:t>BNCIHorizon</a:t>
+            </a:r>
+            <a:endParaRPr lang="es-AR" sz="900" dirty="0"/>
+          </a:p>
+          <a:p>
+            <a:pPr algn="ctr"/>
+            <a:endParaRPr lang="es-ES" sz="900" dirty="0"/>
+          </a:p>
+          <a:p>
+            <a:pPr algn="ctr"/>
+            <a:r>
+              <a:rPr lang="es-ES" sz="900" i="1" dirty="0"/>
+              <a:t>Registros completos con potenciales </a:t>
+            </a:r>
+          </a:p>
+          <a:p>
+            <a:pPr algn="ctr"/>
+            <a:r>
+              <a:rPr lang="es-ES" sz="900" i="1" dirty="0"/>
+              <a:t>evocados P300 de pacientes con ELA</a:t>
+            </a:r>
+            <a:endParaRPr lang="es-ES" sz="900" dirty="0"/>
+          </a:p>
+        </p:txBody>
+      </p:sp>
+      <p:pic>
+        <p:nvPicPr>
+          <p:cNvPr id="28" name="Imagen 27">
+            <a:extLst>
+              <a:ext uri="{FF2B5EF4-FFF2-40B4-BE49-F238E27FC236}">
+                <a16:creationId xmlns:a16="http://schemas.microsoft.com/office/drawing/2014/main" id="{2D1C809D-B81D-4CC4-A092-033208D43E1C}"/>
+              </a:ext>
+            </a:extLst>
+          </p:cNvPr>
+          <p:cNvPicPr>
+            <a:picLocks noChangeAspect="1"/>
+          </p:cNvPicPr>
+          <p:nvPr/>
+        </p:nvPicPr>
+        <p:blipFill>
+          <a:blip r:embed="rId3"/>
+          <a:stretch>
+            <a:fillRect/>
+          </a:stretch>
+        </p:blipFill>
+        <p:spPr>
+          <a:xfrm>
+            <a:off x="2452106" y="1064833"/>
+            <a:ext cx="541679" cy="535356"/>
+          </a:xfrm>
+          <a:prstGeom prst="rect">
+            <a:avLst/>
+          </a:prstGeom>
+        </p:spPr>
+      </p:pic>
+      <p:sp>
+        <p:nvSpPr>
+          <p:cNvPr id="32" name="Rectángulo: esquinas redondeadas 31">
+            <a:extLst>
+              <a:ext uri="{FF2B5EF4-FFF2-40B4-BE49-F238E27FC236}">
+                <a16:creationId xmlns:a16="http://schemas.microsoft.com/office/drawing/2014/main" id="{4A2CE5E4-91EE-495E-944A-5EA8FD295745}"/>
+              </a:ext>
+            </a:extLst>
+          </p:cNvPr>
+          <p:cNvSpPr/>
+          <p:nvPr/>
+        </p:nvSpPr>
+        <p:spPr>
+          <a:xfrm>
+            <a:off x="2316789" y="990091"/>
+            <a:ext cx="1875699" cy="984490"/>
+          </a:xfrm>
+          <a:prstGeom prst="roundRect">
+            <a:avLst/>
+          </a:prstGeom>
+          <a:noFill/>
+          <a:ln w="3175">
+            <a:solidFill>
+              <a:schemeClr val="bg1">
+                <a:lumMod val="75000"/>
+              </a:schemeClr>
+            </a:solidFill>
+          </a:ln>
+        </p:spPr>
+        <p:style>
+          <a:lnRef idx="2">
+            <a:schemeClr val="accent1">
+              <a:shade val="50000"/>
+            </a:schemeClr>
+          </a:lnRef>
+          <a:fillRef idx="1">
+            <a:schemeClr val="accent1"/>
+          </a:fillRef>
+          <a:effectRef idx="0">
+            <a:schemeClr val="accent1"/>
+          </a:effectRef>
+          <a:fontRef idx="minor">
+            <a:schemeClr val="lt1"/>
+          </a:fontRef>
+        </p:style>
+        <p:txBody>
+          <a:bodyPr rtlCol="0" anchor="ctr"/>
+          <a:lstStyle/>
+          <a:p>
+            <a:pPr algn="ctr"/>
+            <a:endParaRPr lang="es-ES"/>
+          </a:p>
+        </p:txBody>
+      </p:sp>
+      <p:cxnSp>
+        <p:nvCxnSpPr>
+          <p:cNvPr id="33" name="Conector recto de flecha 32">
+            <a:extLst>
+              <a:ext uri="{FF2B5EF4-FFF2-40B4-BE49-F238E27FC236}">
+                <a16:creationId xmlns:a16="http://schemas.microsoft.com/office/drawing/2014/main" id="{067FB450-9841-4532-BF8E-A642D746D908}"/>
+              </a:ext>
+            </a:extLst>
+          </p:cNvPr>
+          <p:cNvCxnSpPr>
+            <a:cxnSpLocks/>
+          </p:cNvCxnSpPr>
+          <p:nvPr/>
+        </p:nvCxnSpPr>
+        <p:spPr>
+          <a:xfrm flipH="1">
+            <a:off x="37329" y="2038624"/>
+            <a:ext cx="468334" cy="1100090"/>
+          </a:xfrm>
+          <a:prstGeom prst="straightConnector1">
+            <a:avLst/>
+          </a:prstGeom>
+          <a:ln>
+            <a:tailEnd type="triangle"/>
+          </a:ln>
+        </p:spPr>
+        <p:style>
+          <a:lnRef idx="1">
+            <a:schemeClr val="accent1"/>
+          </a:lnRef>
+          <a:fillRef idx="0">
+            <a:schemeClr val="accent1"/>
+          </a:fillRef>
+          <a:effectRef idx="0">
+            <a:schemeClr val="accent1"/>
+          </a:effectRef>
+          <a:fontRef idx="minor">
+            <a:schemeClr val="tx1"/>
+          </a:fontRef>
+        </p:style>
+      </p:cxnSp>
+      <p:cxnSp>
+        <p:nvCxnSpPr>
+          <p:cNvPr id="34" name="Conector: angular 33">
+            <a:extLst>
+              <a:ext uri="{FF2B5EF4-FFF2-40B4-BE49-F238E27FC236}">
+                <a16:creationId xmlns:a16="http://schemas.microsoft.com/office/drawing/2014/main" id="{855218A8-B3ED-44B8-BA98-4F36C4B96BDB}"/>
+              </a:ext>
+            </a:extLst>
+          </p:cNvPr>
+          <p:cNvCxnSpPr>
+            <a:cxnSpLocks/>
+          </p:cNvCxnSpPr>
+          <p:nvPr/>
+        </p:nvCxnSpPr>
+        <p:spPr>
+          <a:xfrm rot="10800000" flipV="1">
+            <a:off x="129999" y="1284725"/>
+            <a:ext cx="1215117" cy="607005"/>
+          </a:xfrm>
+          <a:prstGeom prst="bentConnector3">
+            <a:avLst>
+              <a:gd name="adj1" fmla="val 100168"/>
+            </a:avLst>
+          </a:prstGeom>
+          <a:ln>
+            <a:tailEnd type="triangle"/>
+          </a:ln>
+        </p:spPr>
+        <p:style>
+          <a:lnRef idx="1">
+            <a:schemeClr val="accent1"/>
+          </a:lnRef>
+          <a:fillRef idx="0">
+            <a:schemeClr val="accent1"/>
+          </a:fillRef>
+          <a:effectRef idx="0">
+            <a:schemeClr val="accent1"/>
+          </a:effectRef>
+          <a:fontRef idx="minor">
+            <a:schemeClr val="tx1"/>
+          </a:fontRef>
+        </p:style>
+      </p:cxnSp>
+      <p:pic>
+        <p:nvPicPr>
+          <p:cNvPr id="29" name="Imagen 28">
+            <a:extLst>
+              <a:ext uri="{FF2B5EF4-FFF2-40B4-BE49-F238E27FC236}">
+                <a16:creationId xmlns:a16="http://schemas.microsoft.com/office/drawing/2014/main" id="{A9DFC918-DEAB-46EA-836C-AD5D887612F6}"/>
+              </a:ext>
+            </a:extLst>
+          </p:cNvPr>
+          <p:cNvPicPr>
+            <a:picLocks noChangeAspect="1"/>
+          </p:cNvPicPr>
+          <p:nvPr/>
+        </p:nvPicPr>
+        <p:blipFill>
+          <a:blip r:embed="rId6"/>
+          <a:stretch>
+            <a:fillRect/>
+          </a:stretch>
+        </p:blipFill>
+        <p:spPr>
+          <a:xfrm>
+            <a:off x="3886802" y="775886"/>
+            <a:ext cx="438186" cy="472921"/>
+          </a:xfrm>
+          <a:prstGeom prst="rect">
+            <a:avLst/>
+          </a:prstGeom>
+        </p:spPr>
+      </p:pic>
+      <p:cxnSp>
+        <p:nvCxnSpPr>
+          <p:cNvPr id="4" name="Conector: angular 3">
+            <a:extLst>
+              <a:ext uri="{FF2B5EF4-FFF2-40B4-BE49-F238E27FC236}">
+                <a16:creationId xmlns:a16="http://schemas.microsoft.com/office/drawing/2014/main" id="{1EE4C828-454C-4114-90F3-631369848011}"/>
+              </a:ext>
+            </a:extLst>
+          </p:cNvPr>
+          <p:cNvCxnSpPr/>
+          <p:nvPr/>
+        </p:nvCxnSpPr>
+        <p:spPr>
+          <a:xfrm>
+            <a:off x="2630650" y="1921317"/>
+            <a:ext cx="1074846" cy="649657"/>
+          </a:xfrm>
+          <a:prstGeom prst="bentConnector3">
+            <a:avLst>
+              <a:gd name="adj1" fmla="val -700"/>
+            </a:avLst>
+          </a:prstGeom>
+          <a:ln>
+            <a:tailEnd type="triangle"/>
+          </a:ln>
+        </p:spPr>
+        <p:style>
+          <a:lnRef idx="1">
+            <a:schemeClr val="accent1"/>
+          </a:lnRef>
+          <a:fillRef idx="0">
+            <a:schemeClr val="accent1"/>
+          </a:fillRef>
+          <a:effectRef idx="0">
+            <a:schemeClr val="accent1"/>
+          </a:effectRef>
+          <a:fontRef idx="minor">
+            <a:schemeClr val="tx1"/>
+          </a:fontRef>
+        </p:style>
+      </p:cxnSp>
+      <p:sp>
+        <p:nvSpPr>
+          <p:cNvPr id="8" name="Abrir llave 7">
+            <a:extLst>
+              <a:ext uri="{FF2B5EF4-FFF2-40B4-BE49-F238E27FC236}">
+                <a16:creationId xmlns:a16="http://schemas.microsoft.com/office/drawing/2014/main" id="{0DF6C3B8-65BF-4863-B6A4-AA975312379D}"/>
+              </a:ext>
+            </a:extLst>
+          </p:cNvPr>
+          <p:cNvSpPr/>
+          <p:nvPr/>
+        </p:nvSpPr>
+        <p:spPr>
+          <a:xfrm>
+            <a:off x="5839419" y="1743075"/>
+            <a:ext cx="280922" cy="3000375"/>
+          </a:xfrm>
+          <a:prstGeom prst="leftBrace">
+            <a:avLst/>
+          </a:prstGeom>
+        </p:spPr>
+        <p:style>
+          <a:lnRef idx="1">
+            <a:schemeClr val="accent1"/>
+          </a:lnRef>
+          <a:fillRef idx="0">
+            <a:schemeClr val="accent1"/>
+          </a:fillRef>
+          <a:effectRef idx="0">
+            <a:schemeClr val="accent1"/>
+          </a:effectRef>
+          <a:fontRef idx="minor">
+            <a:schemeClr val="tx1"/>
+          </a:fontRef>
+        </p:style>
+        <p:txBody>
+          <a:bodyPr rtlCol="0" anchor="ctr"/>
+          <a:lstStyle/>
+          <a:p>
+            <a:pPr algn="ctr"/>
+            <a:endParaRPr lang="es-ES"/>
+          </a:p>
+        </p:txBody>
+      </p:sp>
     </p:spTree>
     <p:extLst>
       <p:ext uri="{BB962C8B-B14F-4D97-AF65-F5344CB8AC3E}">
         <p14:creationId xmlns:p14="http://schemas.microsoft.com/office/powerpoint/2010/main" val="3553686840"/>
+      </p:ext>
+    </p:extLst>
+  </p:cSld>
+  <p:clrMapOvr>
+    <a:masterClrMapping/>
+  </p:clrMapOvr>
+</p:sld>
+</file>
+
+<file path=ppt/slides/slide12.xml><?xml version="1.0" encoding="utf-8"?>
+<p:sld xmlns:a="http://schemas.openxmlformats.org/drawingml/2006/main" xmlns:r="http://schemas.openxmlformats.org/officeDocument/2006/relationships" xmlns:p="http://schemas.openxmlformats.org/presentationml/2006/main">
+  <p:cSld>
+    <p:spTree>
+      <p:nvGrpSpPr>
+        <p:cNvPr id="1" name=""/>
+        <p:cNvGrpSpPr/>
+        <p:nvPr/>
+      </p:nvGrpSpPr>
+      <p:grpSpPr>
+        <a:xfrm>
+          <a:off x="0" y="0"/>
+          <a:ext cx="0" cy="0"/>
+          <a:chOff x="0" y="0"/>
+          <a:chExt cx="0" cy="0"/>
+        </a:xfrm>
+      </p:grpSpPr>
+    </p:spTree>
+    <p:extLst>
+      <p:ext uri="{BB962C8B-B14F-4D97-AF65-F5344CB8AC3E}">
+        <p14:creationId xmlns:p14="http://schemas.microsoft.com/office/powerpoint/2010/main" val="900558315"/>
       </p:ext>
     </p:extLst>
   </p:cSld>
